--- a/Statistical Physics/Self Organized Criticality.pptx
+++ b/Statistical Physics/Self Organized Criticality.pptx
@@ -11,8 +11,9 @@
     <p:sldId id="259" r:id="rId5"/>
     <p:sldId id="260" r:id="rId6"/>
     <p:sldId id="263" r:id="rId7"/>
-    <p:sldId id="261" r:id="rId8"/>
-    <p:sldId id="262" r:id="rId9"/>
+    <p:sldId id="264" r:id="rId8"/>
+    <p:sldId id="261" r:id="rId9"/>
+    <p:sldId id="262" r:id="rId10"/>
   </p:sldIdLst>
   <p:sldSz cx="12192000" cy="6858000"/>
   <p:notesSz cx="6858000" cy="9144000"/>
@@ -266,7 +267,7 @@
           <a:p>
             <a:fld id="{054DDBB3-0E34-4EA1-A382-E3F19049290B}" type="datetimeFigureOut">
               <a:rPr lang="en-US" smtClean="0"/>
-              <a:t>3/4/2024</a:t>
+              <a:t>3/7/2024</a:t>
             </a:fld>
             <a:endParaRPr lang="en-US"/>
           </a:p>
@@ -464,7 +465,7 @@
           <a:p>
             <a:fld id="{054DDBB3-0E34-4EA1-A382-E3F19049290B}" type="datetimeFigureOut">
               <a:rPr lang="en-US" smtClean="0"/>
-              <a:t>3/4/2024</a:t>
+              <a:t>3/7/2024</a:t>
             </a:fld>
             <a:endParaRPr lang="en-US"/>
           </a:p>
@@ -672,7 +673,7 @@
           <a:p>
             <a:fld id="{054DDBB3-0E34-4EA1-A382-E3F19049290B}" type="datetimeFigureOut">
               <a:rPr lang="en-US" smtClean="0"/>
-              <a:t>3/4/2024</a:t>
+              <a:t>3/7/2024</a:t>
             </a:fld>
             <a:endParaRPr lang="en-US"/>
           </a:p>
@@ -870,7 +871,7 @@
           <a:p>
             <a:fld id="{054DDBB3-0E34-4EA1-A382-E3F19049290B}" type="datetimeFigureOut">
               <a:rPr lang="en-US" smtClean="0"/>
-              <a:t>3/4/2024</a:t>
+              <a:t>3/7/2024</a:t>
             </a:fld>
             <a:endParaRPr lang="en-US"/>
           </a:p>
@@ -1145,7 +1146,7 @@
           <a:p>
             <a:fld id="{054DDBB3-0E34-4EA1-A382-E3F19049290B}" type="datetimeFigureOut">
               <a:rPr lang="en-US" smtClean="0"/>
-              <a:t>3/4/2024</a:t>
+              <a:t>3/7/2024</a:t>
             </a:fld>
             <a:endParaRPr lang="en-US"/>
           </a:p>
@@ -1410,7 +1411,7 @@
           <a:p>
             <a:fld id="{054DDBB3-0E34-4EA1-A382-E3F19049290B}" type="datetimeFigureOut">
               <a:rPr lang="en-US" smtClean="0"/>
-              <a:t>3/4/2024</a:t>
+              <a:t>3/7/2024</a:t>
             </a:fld>
             <a:endParaRPr lang="en-US"/>
           </a:p>
@@ -1822,7 +1823,7 @@
           <a:p>
             <a:fld id="{054DDBB3-0E34-4EA1-A382-E3F19049290B}" type="datetimeFigureOut">
               <a:rPr lang="en-US" smtClean="0"/>
-              <a:t>3/4/2024</a:t>
+              <a:t>3/7/2024</a:t>
             </a:fld>
             <a:endParaRPr lang="en-US"/>
           </a:p>
@@ -1963,7 +1964,7 @@
           <a:p>
             <a:fld id="{054DDBB3-0E34-4EA1-A382-E3F19049290B}" type="datetimeFigureOut">
               <a:rPr lang="en-US" smtClean="0"/>
-              <a:t>3/4/2024</a:t>
+              <a:t>3/7/2024</a:t>
             </a:fld>
             <a:endParaRPr lang="en-US"/>
           </a:p>
@@ -2076,7 +2077,7 @@
           <a:p>
             <a:fld id="{054DDBB3-0E34-4EA1-A382-E3F19049290B}" type="datetimeFigureOut">
               <a:rPr lang="en-US" smtClean="0"/>
-              <a:t>3/4/2024</a:t>
+              <a:t>3/7/2024</a:t>
             </a:fld>
             <a:endParaRPr lang="en-US"/>
           </a:p>
@@ -2387,7 +2388,7 @@
           <a:p>
             <a:fld id="{054DDBB3-0E34-4EA1-A382-E3F19049290B}" type="datetimeFigureOut">
               <a:rPr lang="en-US" smtClean="0"/>
-              <a:t>3/4/2024</a:t>
+              <a:t>3/7/2024</a:t>
             </a:fld>
             <a:endParaRPr lang="en-US"/>
           </a:p>
@@ -2675,7 +2676,7 @@
           <a:p>
             <a:fld id="{054DDBB3-0E34-4EA1-A382-E3F19049290B}" type="datetimeFigureOut">
               <a:rPr lang="en-US" smtClean="0"/>
-              <a:t>3/4/2024</a:t>
+              <a:t>3/7/2024</a:t>
             </a:fld>
             <a:endParaRPr lang="en-US"/>
           </a:p>
@@ -2916,7 +2917,7 @@
           <a:p>
             <a:fld id="{054DDBB3-0E34-4EA1-A382-E3F19049290B}" type="datetimeFigureOut">
               <a:rPr lang="en-US" smtClean="0"/>
-              <a:t>3/4/2024</a:t>
+              <a:t>3/7/2024</a:t>
             </a:fld>
             <a:endParaRPr lang="en-US"/>
           </a:p>
@@ -4423,6 +4424,93 @@
 </file>
 
 <file path=ppt/slides/slide7.xml><?xml version="1.0" encoding="utf-8"?>
+<p:sld xmlns:a="http://schemas.openxmlformats.org/drawingml/2006/main" xmlns:r="http://schemas.openxmlformats.org/officeDocument/2006/relationships" xmlns:p="http://schemas.openxmlformats.org/presentationml/2006/main">
+  <p:cSld>
+    <p:spTree>
+      <p:nvGrpSpPr>
+        <p:cNvPr id="1" name=""/>
+        <p:cNvGrpSpPr/>
+        <p:nvPr/>
+      </p:nvGrpSpPr>
+      <p:grpSpPr>
+        <a:xfrm>
+          <a:off x="0" y="0"/>
+          <a:ext cx="0" cy="0"/>
+          <a:chOff x="0" y="0"/>
+          <a:chExt cx="0" cy="0"/>
+        </a:xfrm>
+      </p:grpSpPr>
+      <p:sp>
+        <p:nvSpPr>
+          <p:cNvPr id="2" name="Title 1">
+            <a:extLst>
+              <a:ext uri="{FF2B5EF4-FFF2-40B4-BE49-F238E27FC236}">
+                <a16:creationId xmlns:a16="http://schemas.microsoft.com/office/drawing/2014/main" id="{2B03A632-F4B2-0ACE-5D07-21E1056FECD9}"/>
+              </a:ext>
+            </a:extLst>
+          </p:cNvPr>
+          <p:cNvSpPr>
+            <a:spLocks noGrp="1"/>
+          </p:cNvSpPr>
+          <p:nvPr>
+            <p:ph type="title"/>
+          </p:nvPr>
+        </p:nvSpPr>
+        <p:spPr/>
+        <p:txBody>
+          <a:bodyPr/>
+          <a:lstStyle/>
+          <a:p>
+            <a:r>
+              <a:rPr lang="en-US" dirty="0"/>
+              <a:t>Results</a:t>
+            </a:r>
+          </a:p>
+        </p:txBody>
+      </p:sp>
+      <p:pic>
+        <p:nvPicPr>
+          <p:cNvPr id="5" name="Content Placeholder 4">
+            <a:extLst>
+              <a:ext uri="{FF2B5EF4-FFF2-40B4-BE49-F238E27FC236}">
+                <a16:creationId xmlns:a16="http://schemas.microsoft.com/office/drawing/2014/main" id="{8833AFB6-B0E1-0BE3-C178-0FA6A4802EA0}"/>
+              </a:ext>
+            </a:extLst>
+          </p:cNvPr>
+          <p:cNvPicPr>
+            <a:picLocks noGrp="1" noChangeAspect="1"/>
+          </p:cNvPicPr>
+          <p:nvPr>
+            <p:ph idx="1"/>
+          </p:nvPr>
+        </p:nvPicPr>
+        <p:blipFill>
+          <a:blip r:embed="rId2"/>
+          <a:stretch>
+            <a:fillRect/>
+          </a:stretch>
+        </p:blipFill>
+        <p:spPr>
+          <a:xfrm>
+            <a:off x="2570567" y="1790114"/>
+            <a:ext cx="5772482" cy="4351338"/>
+          </a:xfrm>
+        </p:spPr>
+      </p:pic>
+    </p:spTree>
+    <p:extLst>
+      <p:ext uri="{BB962C8B-B14F-4D97-AF65-F5344CB8AC3E}">
+        <p14:creationId xmlns:p14="http://schemas.microsoft.com/office/powerpoint/2010/main" val="457069806"/>
+      </p:ext>
+    </p:extLst>
+  </p:cSld>
+  <p:clrMapOvr>
+    <a:masterClrMapping/>
+  </p:clrMapOvr>
+</p:sld>
+</file>
+
+<file path=ppt/slides/slide8.xml><?xml version="1.0" encoding="utf-8"?>
 <p:sld xmlns:a="http://schemas.openxmlformats.org/drawingml/2006/main" xmlns:r="http://schemas.openxmlformats.org/officeDocument/2006/relationships" xmlns:p="http://schemas.openxmlformats.org/presentationml/2006/main">
   <p:cSld>
     <p:spTree>
@@ -4824,7 +4912,7 @@
 </p:sld>
 </file>
 
-<file path=ppt/slides/slide8.xml><?xml version="1.0" encoding="utf-8"?>
+<file path=ppt/slides/slide9.xml><?xml version="1.0" encoding="utf-8"?>
 <p:sld xmlns:a="http://schemas.openxmlformats.org/drawingml/2006/main" xmlns:r="http://schemas.openxmlformats.org/officeDocument/2006/relationships" xmlns:p="http://schemas.openxmlformats.org/presentationml/2006/main">
   <p:cSld>
     <p:spTree>
